--- a/학회 제출본/게임 및 영상 분석 작업/4. 흥미 테마 탄착군 분석/2. 탄착군 종합/탄착군_종합분석.pptx
+++ b/학회 제출본/게임 및 영상 분석 작업/4. 흥미 테마 탄착군 분석/2. 탄착군 종합/탄착군_종합분석.pptx
@@ -7696,7 +7696,6 @@
           </a:p>
         </c:rich>
       </c:tx>
-      <c:layout/>
       <c:overlay val="0"/>
       <c:spPr>
         <a:noFill/>
@@ -8964,7 +8963,6 @@
     </c:plotArea>
     <c:legend>
       <c:legendPos val="b"/>
-      <c:layout/>
       <c:overlay val="0"/>
       <c:spPr>
         <a:noFill/>
@@ -12003,7 +12001,6 @@
           </a:p>
         </c:rich>
       </c:tx>
-      <c:layout/>
       <c:overlay val="0"/>
       <c:spPr>
         <a:noFill/>
@@ -13271,7 +13268,6 @@
     </c:plotArea>
     <c:legend>
       <c:legendPos val="b"/>
-      <c:layout/>
       <c:overlay val="0"/>
       <c:spPr>
         <a:noFill/>
@@ -18860,7 +18856,7 @@
           <a:p>
             <a:fld id="{92FB9B8E-7460-4A65-8DD1-5001397F6CD0}" type="datetimeFigureOut">
               <a:rPr lang="ko-KR" altLang="en-US" smtClean="0"/>
-              <a:t>2020-07-16</a:t>
+              <a:t>2020-09-20</a:t>
             </a:fld>
             <a:endParaRPr lang="ko-KR" altLang="en-US"/>
           </a:p>
@@ -20351,7 +20347,7 @@
           <a:p>
             <a:fld id="{F86301F8-5A19-4D53-B525-D052BC8201C6}" type="datetimeFigureOut">
               <a:rPr lang="ko-KR" altLang="en-US" smtClean="0"/>
-              <a:t>2020-07-16</a:t>
+              <a:t>2020-09-20</a:t>
             </a:fld>
             <a:endParaRPr lang="ko-KR" altLang="en-US"/>
           </a:p>
@@ -20521,7 +20517,7 @@
           <a:p>
             <a:fld id="{F86301F8-5A19-4D53-B525-D052BC8201C6}" type="datetimeFigureOut">
               <a:rPr lang="ko-KR" altLang="en-US" smtClean="0"/>
-              <a:t>2020-07-16</a:t>
+              <a:t>2020-09-20</a:t>
             </a:fld>
             <a:endParaRPr lang="ko-KR" altLang="en-US"/>
           </a:p>
@@ -20701,7 +20697,7 @@
           <a:p>
             <a:fld id="{F86301F8-5A19-4D53-B525-D052BC8201C6}" type="datetimeFigureOut">
               <a:rPr lang="ko-KR" altLang="en-US" smtClean="0"/>
-              <a:t>2020-07-16</a:t>
+              <a:t>2020-09-20</a:t>
             </a:fld>
             <a:endParaRPr lang="ko-KR" altLang="en-US"/>
           </a:p>
@@ -20871,7 +20867,7 @@
           <a:p>
             <a:fld id="{F86301F8-5A19-4D53-B525-D052BC8201C6}" type="datetimeFigureOut">
               <a:rPr lang="ko-KR" altLang="en-US" smtClean="0"/>
-              <a:t>2020-07-16</a:t>
+              <a:t>2020-09-20</a:t>
             </a:fld>
             <a:endParaRPr lang="ko-KR" altLang="en-US"/>
           </a:p>
@@ -21117,7 +21113,7 @@
           <a:p>
             <a:fld id="{F86301F8-5A19-4D53-B525-D052BC8201C6}" type="datetimeFigureOut">
               <a:rPr lang="ko-KR" altLang="en-US" smtClean="0"/>
-              <a:t>2020-07-16</a:t>
+              <a:t>2020-09-20</a:t>
             </a:fld>
             <a:endParaRPr lang="ko-KR" altLang="en-US"/>
           </a:p>
@@ -21349,7 +21345,7 @@
           <a:p>
             <a:fld id="{F86301F8-5A19-4D53-B525-D052BC8201C6}" type="datetimeFigureOut">
               <a:rPr lang="ko-KR" altLang="en-US" smtClean="0"/>
-              <a:t>2020-07-16</a:t>
+              <a:t>2020-09-20</a:t>
             </a:fld>
             <a:endParaRPr lang="ko-KR" altLang="en-US"/>
           </a:p>
@@ -21716,7 +21712,7 @@
           <a:p>
             <a:fld id="{F86301F8-5A19-4D53-B525-D052BC8201C6}" type="datetimeFigureOut">
               <a:rPr lang="ko-KR" altLang="en-US" smtClean="0"/>
-              <a:t>2020-07-16</a:t>
+              <a:t>2020-09-20</a:t>
             </a:fld>
             <a:endParaRPr lang="ko-KR" altLang="en-US"/>
           </a:p>
@@ -21834,7 +21830,7 @@
           <a:p>
             <a:fld id="{F86301F8-5A19-4D53-B525-D052BC8201C6}" type="datetimeFigureOut">
               <a:rPr lang="ko-KR" altLang="en-US" smtClean="0"/>
-              <a:t>2020-07-16</a:t>
+              <a:t>2020-09-20</a:t>
             </a:fld>
             <a:endParaRPr lang="ko-KR" altLang="en-US"/>
           </a:p>
@@ -21929,7 +21925,7 @@
           <a:p>
             <a:fld id="{F86301F8-5A19-4D53-B525-D052BC8201C6}" type="datetimeFigureOut">
               <a:rPr lang="ko-KR" altLang="en-US" smtClean="0"/>
-              <a:t>2020-07-16</a:t>
+              <a:t>2020-09-20</a:t>
             </a:fld>
             <a:endParaRPr lang="ko-KR" altLang="en-US"/>
           </a:p>
@@ -22206,7 +22202,7 @@
           <a:p>
             <a:fld id="{F86301F8-5A19-4D53-B525-D052BC8201C6}" type="datetimeFigureOut">
               <a:rPr lang="ko-KR" altLang="en-US" smtClean="0"/>
-              <a:t>2020-07-16</a:t>
+              <a:t>2020-09-20</a:t>
             </a:fld>
             <a:endParaRPr lang="ko-KR" altLang="en-US"/>
           </a:p>
@@ -22459,7 +22455,7 @@
           <a:p>
             <a:fld id="{F86301F8-5A19-4D53-B525-D052BC8201C6}" type="datetimeFigureOut">
               <a:rPr lang="ko-KR" altLang="en-US" smtClean="0"/>
-              <a:t>2020-07-16</a:t>
+              <a:t>2020-09-20</a:t>
             </a:fld>
             <a:endParaRPr lang="ko-KR" altLang="en-US"/>
           </a:p>
@@ -22672,7 +22668,7 @@
           <a:p>
             <a:fld id="{F86301F8-5A19-4D53-B525-D052BC8201C6}" type="datetimeFigureOut">
               <a:rPr lang="ko-KR" altLang="en-US" smtClean="0"/>
-              <a:t>2020-07-16</a:t>
+              <a:t>2020-09-20</a:t>
             </a:fld>
             <a:endParaRPr lang="ko-KR" altLang="en-US"/>
           </a:p>
@@ -24021,7 +24017,7 @@
           <p:nvPr>
             <p:extLst>
               <p:ext uri="{D42A27DB-BD31-4B8C-83A1-F6EECF244321}">
-                <p14:modId xmlns:p14="http://schemas.microsoft.com/office/powerpoint/2010/main" val="449450555"/>
+                <p14:modId xmlns:p14="http://schemas.microsoft.com/office/powerpoint/2010/main" val="145514008"/>
               </p:ext>
             </p:extLst>
           </p:nvPr>
@@ -24124,7 +24120,11 @@
                       </a:r>
                       <a:r>
                         <a:rPr lang="ko-KR" altLang="en-US" sz="1600" baseline="0" dirty="0" smtClean="0"/>
-                        <a:t>모멘트</a:t>
+                        <a:t>테</a:t>
+                      </a:r>
+                      <a:r>
+                        <a:rPr lang="ko-KR" altLang="en-US" sz="1600" baseline="0" dirty="0" smtClean="0"/>
+                        <a:t>마</a:t>
                       </a:r>
                       <a:endParaRPr lang="ko-KR" altLang="en-US" sz="1600" dirty="0"/>
                     </a:p>
@@ -27149,7 +27149,7 @@
           <p:nvPr>
             <p:extLst>
               <p:ext uri="{D42A27DB-BD31-4B8C-83A1-F6EECF244321}">
-                <p14:modId xmlns:p14="http://schemas.microsoft.com/office/powerpoint/2010/main" val="40255708"/>
+                <p14:modId xmlns:p14="http://schemas.microsoft.com/office/powerpoint/2010/main" val="2728972002"/>
               </p:ext>
             </p:extLst>
           </p:nvPr>
@@ -27233,7 +27233,11 @@
                       </a:pPr>
                       <a:r>
                         <a:rPr lang="ko-KR" altLang="en-US" sz="1600" dirty="0" smtClean="0"/>
-                        <a:t>모멘트 분류</a:t>
+                        <a:t>테마 </a:t>
+                      </a:r>
+                      <a:r>
+                        <a:rPr lang="ko-KR" altLang="en-US" sz="1600" dirty="0" smtClean="0"/>
+                        <a:t>분류</a:t>
                       </a:r>
                       <a:endParaRPr lang="ko-KR" altLang="en-US" sz="1600" dirty="0"/>
                     </a:p>
@@ -27968,7 +27972,11 @@
             </a:r>
             <a:r>
               <a:rPr lang="ko-KR" altLang="en-US" sz="1600" dirty="0" smtClean="0"/>
-              <a:t>특정 모멘트에는 </a:t>
+              <a:t>특정 </a:t>
+            </a:r>
+            <a:r>
+              <a:rPr lang="ko-KR" altLang="en-US" sz="1600" dirty="0" smtClean="0"/>
+              <a:t>테마에는 </a:t>
             </a:r>
             <a:r>
               <a:rPr lang="ko-KR" altLang="en-US" sz="1600" dirty="0"/>
@@ -27990,7 +27998,11 @@
             </a:pPr>
             <a:r>
               <a:rPr lang="ko-KR" altLang="en-US" sz="1600" dirty="0" smtClean="0"/>
-              <a:t>모멘트의 </a:t>
+              <a:t>테마</a:t>
+            </a:r>
+            <a:r>
+              <a:rPr lang="ko-KR" altLang="en-US" sz="1600" dirty="0" smtClean="0"/>
+              <a:t>의 </a:t>
             </a:r>
             <a:r>
               <a:rPr lang="ko-KR" altLang="en-US" sz="1600" dirty="0"/>
@@ -28018,7 +28030,19 @@
             </a:r>
             <a:r>
               <a:rPr lang="ko-KR" altLang="en-US" sz="1600" dirty="0"/>
-              <a:t>복수의 모멘트가 동시에 일어나기도 </a:t>
+              <a:t>복수의 </a:t>
+            </a:r>
+            <a:r>
+              <a:rPr lang="ko-KR" altLang="en-US" sz="1600" dirty="0" smtClean="0"/>
+              <a:t>테마</a:t>
+            </a:r>
+            <a:r>
+              <a:rPr lang="ko-KR" altLang="en-US" sz="1600" dirty="0" smtClean="0"/>
+              <a:t>가 </a:t>
+            </a:r>
+            <a:r>
+              <a:rPr lang="ko-KR" altLang="en-US" sz="1600" dirty="0"/>
+              <a:t>동시에 일어나기도 </a:t>
             </a:r>
             <a:r>
               <a:rPr lang="ko-KR" altLang="en-US" sz="1600" dirty="0" smtClean="0"/>
